--- a/Malaiyamman-Lorry-Transport.pptx
+++ b/Malaiyamman-Lorry-Transport.pptx
@@ -1615,26 +1615,6 @@
       </p:sp>
       <p:sp>
         <p:nvSpPr>
-          <p:cNvPr id="3" name="Shape 1"/>
-          <p:cNvSpPr/>
-          <p:nvPr/>
-        </p:nvSpPr>
-        <p:spPr>
-          <a:xfrm>
-            <a:off x="0" y="0"/>
-            <a:ext cx="14630400" cy="8229600"/>
-          </a:xfrm>
-          <a:prstGeom prst="rect">
-            <a:avLst/>
-          </a:prstGeom>
-          <a:solidFill>
-            <a:srgbClr val="FCFCFC"/>
-          </a:solidFill>
-          <a:ln/>
-        </p:spPr>
-      </p:sp>
-      <p:sp>
-        <p:nvSpPr>
           <p:cNvPr id="6" name="Text 2"/>
           <p:cNvSpPr/>
           <p:nvPr/>
@@ -1699,14 +1679,6 @@
               </a:lnSpc>
               <a:buNone/>
             </a:pPr>
-            <a:r>
-              <a:rPr lang="en-US" sz="1673" dirty="0">
-                <a:latin typeface="Tomorrow" pitchFamily="34" charset="0"/>
-                <a:ea typeface="Tomorrow" pitchFamily="34" charset="-122"/>
-                <a:cs typeface="Tomorrow" pitchFamily="34" charset="-120"/>
-              </a:rPr>
-              <a:t>Malaiyamman Lorry Transport is a reliable and trusted logistics provider located in Mannargudi, Tamil Nadu. They offer comprehensive transportation services and focus on efficiency and great customer service.</a:t>
-            </a:r>
             <a:endParaRPr lang="en-US" sz="1673" dirty="0"/>
           </a:p>
         </p:txBody>
